--- a/SKYSWEEPER.pptx
+++ b/SKYSWEEPER.pptx
@@ -7,6 +7,8 @@
   <p:sldIdLst>
     <p:sldId id="256" r:id="rId2"/>
     <p:sldId id="257" r:id="rId3"/>
+    <p:sldId id="259" r:id="rId4"/>
+    <p:sldId id="260" r:id="rId5"/>
   </p:sldIdLst>
   <p:sldSz cx="12192000" cy="6858000"/>
   <p:notesSz cx="6858000" cy="9144000"/>
@@ -106,10 +108,6 @@
     </a:lvl9pPr>
   </p:defaultTextStyle>
 </p:presentation>
-</file>
-
-<file path=ppt/revisionInfo.xml><?xml version="1.0" encoding="utf-8"?>
-<p1510:revInfo xmlns:a="http://schemas.openxmlformats.org/drawingml/2006/main" xmlns:r="http://schemas.openxmlformats.org/officeDocument/2006/relationships" xmlns:p1510="http://schemas.microsoft.com/office/powerpoint/2015/10/main"/>
 </file>
 
 <file path=ppt/slideLayouts/slideLayout1.xml><?xml version="1.0" encoding="utf-8"?>
@@ -2989,8 +2987,8 @@
         </p:nvSpPr>
         <p:spPr>
           <a:xfrm>
-            <a:off x="1524000" y="2855495"/>
-            <a:ext cx="9144000" cy="2402305"/>
+            <a:off x="1379620" y="2855495"/>
+            <a:ext cx="9288379" cy="2402305"/>
           </a:xfrm>
         </p:spPr>
         <p:txBody>
@@ -3005,10 +3003,33 @@
             </a:r>
           </a:p>
           <a:p>
-            <a:r>
-              <a:rPr lang="en-US" sz="2200" dirty="0"/>
-              <a:t>Skysweeper is a single player game, the aim of this game is to clear a board filled with mines without hitting any of them, the mines are arranged in a pattern that forms a constellation and each level contains different constellations. the higher the level the more the constellations and the minimum number of constellations in a level is two. </a:t>
-            </a:r>
+            <a:pPr marL="342900" indent="-342900">
+              <a:buFont typeface="Arial" panose="020B0604020202020204" pitchFamily="34" charset="0"/>
+              <a:buChar char="•"/>
+            </a:pPr>
+            <a:r>
+              <a:rPr lang="en-US" sz="1800" dirty="0">
+                <a:latin typeface="Times New Roman" panose="02020603050405020304" pitchFamily="18" charset="0"/>
+                <a:cs typeface="Times New Roman" panose="02020603050405020304" pitchFamily="18" charset="0"/>
+              </a:rPr>
+              <a:t>Skysweeper is a single player game, the aim of this game is to clear a board filled with mines without hitting any of them.</a:t>
+            </a:r>
+          </a:p>
+          <a:p>
+            <a:pPr marL="342900" indent="-342900">
+              <a:buFont typeface="Arial" panose="020B0604020202020204" pitchFamily="34" charset="0"/>
+              <a:buChar char="•"/>
+            </a:pPr>
+            <a:r>
+              <a:rPr lang="en-US" sz="1800" dirty="0">
+                <a:latin typeface="Times New Roman" panose="02020603050405020304" pitchFamily="18" charset="0"/>
+                <a:cs typeface="Times New Roman" panose="02020603050405020304" pitchFamily="18" charset="0"/>
+              </a:rPr>
+              <a:t>The mines are arranged in a pattern that forms a constellation and each level contains different constellations.</a:t>
+            </a:r>
+          </a:p>
+          <a:p>
+            <a:endParaRPr lang="en-US" sz="2200" dirty="0"/>
           </a:p>
         </p:txBody>
       </p:sp>
@@ -3060,7 +3081,10 @@
           <a:lstStyle/>
           <a:p>
             <a:r>
-              <a:rPr lang="en-US" sz="2400" u="sng" dirty="0"/>
+              <a:rPr lang="en-US" sz="2400" u="sng" dirty="0">
+                <a:latin typeface="Times New Roman" panose="02020603050405020304" pitchFamily="18" charset="0"/>
+                <a:cs typeface="Times New Roman" panose="02020603050405020304" pitchFamily="18" charset="0"/>
+              </a:rPr>
               <a:t>How to play Skysweeper</a:t>
             </a:r>
           </a:p>
@@ -3084,20 +3108,45 @@
           <a:lstStyle/>
           <a:p>
             <a:r>
-              <a:rPr lang="en-US" sz="2000" dirty="0"/>
-              <a:t>the aim of the player is to figure out what constellation is in what level and try to finish that level without denotating any of the mines before time is up on the board the number of mines in that level is shown. Each player is given 5 minutes to finish up, once the level is completed the player can go to the next one.</a:t>
-            </a:r>
-          </a:p>
-          <a:p>
-            <a:r>
-              <a:rPr lang="en-US" sz="2000" dirty="0"/>
-              <a:t> If the player suspects a mine to be in a spot the player can flag that spot and continue playing</a:t>
-            </a:r>
-          </a:p>
-          <a:p>
-            <a:r>
-              <a:rPr lang="en-US" sz="2000" dirty="0"/>
-              <a:t> once a mine is denoted the game is over and the position of the other mines will be shown.</a:t>
+              <a:rPr lang="en-US" sz="1800" dirty="0">
+                <a:latin typeface="Times New Roman" panose="02020603050405020304" pitchFamily="18" charset="0"/>
+                <a:cs typeface="Times New Roman" panose="02020603050405020304" pitchFamily="18" charset="0"/>
+              </a:rPr>
+              <a:t>The aim of the player is to figure out what constellation is in what level and try to finish that level without denotating any of the mines before time is up.</a:t>
+            </a:r>
+          </a:p>
+          <a:p>
+            <a:r>
+              <a:rPr lang="en-US" sz="1800" dirty="0">
+                <a:latin typeface="Times New Roman" panose="02020603050405020304" pitchFamily="18" charset="0"/>
+                <a:cs typeface="Times New Roman" panose="02020603050405020304" pitchFamily="18" charset="0"/>
+              </a:rPr>
+              <a:t>The number of mines in that level is shown at the bottom of the board. Each player is given 5 minutes to finish up, once the level is completed the player can go to the next one.</a:t>
+            </a:r>
+          </a:p>
+          <a:p>
+            <a:r>
+              <a:rPr lang="en-US" sz="1800" dirty="0">
+                <a:latin typeface="Times New Roman" panose="02020603050405020304" pitchFamily="18" charset="0"/>
+                <a:cs typeface="Times New Roman" panose="02020603050405020304" pitchFamily="18" charset="0"/>
+              </a:rPr>
+              <a:t> If the player suspects a mine to be in a spot the player can flag that spot ,continue playing and come back to that spot later if he/she chooses.</a:t>
+            </a:r>
+          </a:p>
+          <a:p>
+            <a:r>
+              <a:rPr lang="en-US" sz="1800" dirty="0">
+                <a:latin typeface="Times New Roman" panose="02020603050405020304" pitchFamily="18" charset="0"/>
+                <a:cs typeface="Times New Roman" panose="02020603050405020304" pitchFamily="18" charset="0"/>
+              </a:rPr>
+              <a:t> once a mine is denoted the game is over and the position of the other mines will be shown</a:t>
+            </a:r>
+            <a:r>
+              <a:rPr lang="en-US" sz="2000" dirty="0">
+                <a:latin typeface="Times New Roman" panose="02020603050405020304" pitchFamily="18" charset="0"/>
+                <a:cs typeface="Times New Roman" panose="02020603050405020304" pitchFamily="18" charset="0"/>
+              </a:rPr>
+              <a:t>.</a:t>
             </a:r>
           </a:p>
         </p:txBody>
@@ -3106,6 +3155,298 @@
     <p:extLst>
       <p:ext uri="{BB962C8B-B14F-4D97-AF65-F5344CB8AC3E}">
         <p14:creationId xmlns:p14="http://schemas.microsoft.com/office/powerpoint/2010/main" val="1921603504"/>
+      </p:ext>
+    </p:extLst>
+  </p:cSld>
+  <p:clrMapOvr>
+    <a:masterClrMapping/>
+  </p:clrMapOvr>
+</p:sld>
+</file>
+
+<file path=ppt/slides/slide3.xml><?xml version="1.0" encoding="utf-8"?>
+<p:sld xmlns:a="http://schemas.openxmlformats.org/drawingml/2006/main" xmlns:r="http://schemas.openxmlformats.org/officeDocument/2006/relationships" xmlns:p="http://schemas.openxmlformats.org/presentationml/2006/main">
+  <p:cSld>
+    <p:spTree>
+      <p:nvGrpSpPr>
+        <p:cNvPr id="1" name=""/>
+        <p:cNvGrpSpPr/>
+        <p:nvPr/>
+      </p:nvGrpSpPr>
+      <p:grpSpPr>
+        <a:xfrm>
+          <a:off x="0" y="0"/>
+          <a:ext cx="0" cy="0"/>
+          <a:chOff x="0" y="0"/>
+          <a:chExt cx="0" cy="0"/>
+        </a:xfrm>
+      </p:grpSpPr>
+      <p:sp>
+        <p:nvSpPr>
+          <p:cNvPr id="2" name="Title 1"/>
+          <p:cNvSpPr>
+            <a:spLocks noGrp="1"/>
+          </p:cNvSpPr>
+          <p:nvPr>
+            <p:ph type="title"/>
+          </p:nvPr>
+        </p:nvSpPr>
+        <p:spPr>
+          <a:xfrm>
+            <a:off x="626165" y="821637"/>
+            <a:ext cx="10515600" cy="1467816"/>
+          </a:xfrm>
+        </p:spPr>
+        <p:txBody>
+          <a:bodyPr>
+            <a:normAutofit fontScale="90000"/>
+          </a:bodyPr>
+          <a:lstStyle/>
+          <a:p>
+            <a:br>
+              <a:rPr lang="en-US" sz="2400" dirty="0"/>
+            </a:br>
+            <a:br>
+              <a:rPr lang="en-US" sz="2400" dirty="0"/>
+            </a:br>
+            <a:br>
+              <a:rPr lang="en-US" sz="2400" dirty="0"/>
+            </a:br>
+            <a:r>
+              <a:rPr lang="en-US" sz="2400" u="sng" dirty="0">
+                <a:latin typeface="Times New Roman" panose="02020603050405020304" pitchFamily="18" charset="0"/>
+                <a:cs typeface="Times New Roman" panose="02020603050405020304" pitchFamily="18" charset="0"/>
+              </a:rPr>
+              <a:t>Before play</a:t>
+            </a:r>
+            <a:br>
+              <a:rPr lang="en-US" sz="2400" dirty="0"/>
+            </a:br>
+            <a:br>
+              <a:rPr lang="en-US" sz="2400" dirty="0"/>
+            </a:br>
+            <a:r>
+              <a:rPr lang="en-US" sz="2000" dirty="0">
+                <a:latin typeface="Times New Roman" panose="02020603050405020304" pitchFamily="18" charset="0"/>
+                <a:cs typeface="Times New Roman" panose="02020603050405020304" pitchFamily="18" charset="0"/>
+              </a:rPr>
+              <a:t>Before a player gets to play the game the player is prompted to put in his/her name</a:t>
+            </a:r>
+            <a:br>
+              <a:rPr lang="en-US" sz="2000" dirty="0"/>
+            </a:br>
+            <a:br>
+              <a:rPr lang="en-US" sz="2000" dirty="0"/>
+            </a:br>
+            <a:r>
+              <a:rPr lang="en-US" sz="2000" dirty="0"/>
+              <a:t>    </a:t>
+            </a:r>
+            <a:r>
+              <a:rPr lang="en-US" sz="2400" u="sng" dirty="0">
+                <a:latin typeface="Times New Roman" panose="02020603050405020304" pitchFamily="18" charset="0"/>
+                <a:cs typeface="Times New Roman" panose="02020603050405020304" pitchFamily="18" charset="0"/>
+              </a:rPr>
+              <a:t>After Play</a:t>
+            </a:r>
+            <a:br>
+              <a:rPr lang="en-US" sz="2400" dirty="0">
+                <a:latin typeface="Times New Roman" panose="02020603050405020304" pitchFamily="18" charset="0"/>
+                <a:cs typeface="Times New Roman" panose="02020603050405020304" pitchFamily="18" charset="0"/>
+              </a:rPr>
+            </a:br>
+            <a:endParaRPr lang="en-US" sz="2400" dirty="0">
+              <a:latin typeface="Times New Roman" panose="02020603050405020304" pitchFamily="18" charset="0"/>
+              <a:cs typeface="Times New Roman" panose="02020603050405020304" pitchFamily="18" charset="0"/>
+            </a:endParaRPr>
+          </a:p>
+        </p:txBody>
+      </p:sp>
+      <p:sp>
+        <p:nvSpPr>
+          <p:cNvPr id="3" name="Content Placeholder 2"/>
+          <p:cNvSpPr>
+            <a:spLocks noGrp="1"/>
+          </p:cNvSpPr>
+          <p:nvPr>
+            <p:ph idx="1"/>
+          </p:nvPr>
+        </p:nvSpPr>
+        <p:spPr>
+          <a:xfrm>
+            <a:off x="838200" y="2676939"/>
+            <a:ext cx="10515600" cy="2305877"/>
+          </a:xfrm>
+        </p:spPr>
+        <p:txBody>
+          <a:bodyPr>
+            <a:normAutofit/>
+          </a:bodyPr>
+          <a:lstStyle/>
+          <a:p>
+            <a:r>
+              <a:rPr lang="en-US" sz="1800" dirty="0">
+                <a:latin typeface="Times New Roman" panose="02020603050405020304" pitchFamily="18" charset="0"/>
+                <a:cs typeface="Times New Roman" panose="02020603050405020304" pitchFamily="18" charset="0"/>
+              </a:rPr>
+              <a:t>If a level is won the LED lights turn on, a smiley face is formed and a victory sound is played.</a:t>
+            </a:r>
+          </a:p>
+          <a:p>
+            <a:r>
+              <a:rPr lang="en-US" sz="1800" dirty="0">
+                <a:latin typeface="Times New Roman" panose="02020603050405020304" pitchFamily="18" charset="0"/>
+                <a:cs typeface="Times New Roman" panose="02020603050405020304" pitchFamily="18" charset="0"/>
+              </a:rPr>
+              <a:t>the player automatically qualifies for the next level</a:t>
+            </a:r>
+          </a:p>
+          <a:p>
+            <a:r>
+              <a:rPr lang="en-US" sz="1800" dirty="0">
+                <a:latin typeface="Times New Roman" panose="02020603050405020304" pitchFamily="18" charset="0"/>
+                <a:cs typeface="Times New Roman" panose="02020603050405020304" pitchFamily="18" charset="0"/>
+              </a:rPr>
+              <a:t>on the other hand if the game is lost  the Red LEDs come on and an explosion sound is heard.</a:t>
+            </a:r>
+          </a:p>
+          <a:p>
+            <a:r>
+              <a:rPr lang="en-US" sz="1800" dirty="0">
+                <a:latin typeface="Times New Roman" panose="02020603050405020304" pitchFamily="18" charset="0"/>
+                <a:cs typeface="Times New Roman" panose="02020603050405020304" pitchFamily="18" charset="0"/>
+              </a:rPr>
+              <a:t>The score Board shows the names of the players and their positions</a:t>
+            </a:r>
+          </a:p>
+          <a:p>
+            <a:pPr marL="0" indent="0">
+              <a:buNone/>
+            </a:pPr>
+            <a:r>
+              <a:rPr lang="en-US" sz="2000" dirty="0"/>
+              <a:t> </a:t>
+            </a:r>
+          </a:p>
+        </p:txBody>
+      </p:sp>
+    </p:spTree>
+    <p:extLst>
+      <p:ext uri="{BB962C8B-B14F-4D97-AF65-F5344CB8AC3E}">
+        <p14:creationId xmlns:p14="http://schemas.microsoft.com/office/powerpoint/2010/main" val="2881684312"/>
+      </p:ext>
+    </p:extLst>
+  </p:cSld>
+  <p:clrMapOvr>
+    <a:masterClrMapping/>
+  </p:clrMapOvr>
+</p:sld>
+</file>
+
+<file path=ppt/slides/slide4.xml><?xml version="1.0" encoding="utf-8"?>
+<p:sld xmlns:a="http://schemas.openxmlformats.org/drawingml/2006/main" xmlns:r="http://schemas.openxmlformats.org/officeDocument/2006/relationships" xmlns:p="http://schemas.openxmlformats.org/presentationml/2006/main">
+  <p:cSld>
+    <p:spTree>
+      <p:nvGrpSpPr>
+        <p:cNvPr id="1" name=""/>
+        <p:cNvGrpSpPr/>
+        <p:nvPr/>
+      </p:nvGrpSpPr>
+      <p:grpSpPr>
+        <a:xfrm>
+          <a:off x="0" y="0"/>
+          <a:ext cx="0" cy="0"/>
+          <a:chOff x="0" y="0"/>
+          <a:chExt cx="0" cy="0"/>
+        </a:xfrm>
+      </p:grpSpPr>
+      <p:sp>
+        <p:nvSpPr>
+          <p:cNvPr id="2" name="Title 1"/>
+          <p:cNvSpPr>
+            <a:spLocks noGrp="1"/>
+          </p:cNvSpPr>
+          <p:nvPr>
+            <p:ph type="title"/>
+          </p:nvPr>
+        </p:nvSpPr>
+        <p:spPr/>
+        <p:txBody>
+          <a:bodyPr>
+            <a:normAutofit/>
+          </a:bodyPr>
+          <a:lstStyle/>
+          <a:p>
+            <a:r>
+              <a:rPr lang="en-US" sz="2800" dirty="0">
+                <a:latin typeface="Times New Roman" panose="02020603050405020304" pitchFamily="18" charset="0"/>
+                <a:cs typeface="Times New Roman" panose="02020603050405020304" pitchFamily="18" charset="0"/>
+              </a:rPr>
+              <a:t>Why Skysweeper?</a:t>
+            </a:r>
+          </a:p>
+        </p:txBody>
+      </p:sp>
+      <p:sp>
+        <p:nvSpPr>
+          <p:cNvPr id="3" name="Content Placeholder 2"/>
+          <p:cNvSpPr>
+            <a:spLocks noGrp="1"/>
+          </p:cNvSpPr>
+          <p:nvPr>
+            <p:ph idx="1"/>
+          </p:nvPr>
+        </p:nvSpPr>
+        <p:spPr/>
+        <p:txBody>
+          <a:bodyPr>
+            <a:normAutofit/>
+          </a:bodyPr>
+          <a:lstStyle/>
+          <a:p>
+            <a:pPr marL="0" indent="0">
+              <a:buNone/>
+            </a:pPr>
+            <a:r>
+              <a:rPr lang="en-US" sz="1800" dirty="0">
+                <a:latin typeface="Times New Roman" panose="02020603050405020304" pitchFamily="18" charset="0"/>
+                <a:cs typeface="Times New Roman" panose="02020603050405020304" pitchFamily="18" charset="0"/>
+              </a:rPr>
+              <a:t>Unlike minesweeper which is based on luck and maybe expertise Skysweeper is based one’s the knowledge of the constellations. </a:t>
+            </a:r>
+          </a:p>
+          <a:p>
+            <a:pPr marL="0" indent="0">
+              <a:buNone/>
+            </a:pPr>
+            <a:r>
+              <a:rPr lang="en-US" sz="1800" dirty="0">
+                <a:latin typeface="Times New Roman" panose="02020603050405020304" pitchFamily="18" charset="0"/>
+                <a:cs typeface="Times New Roman" panose="02020603050405020304" pitchFamily="18" charset="0"/>
+              </a:rPr>
+              <a:t>Skysweeper teaches alertness and also tests how logical the player is, it is true that the constellations are placed in  </a:t>
+            </a:r>
+            <a:r>
+              <a:rPr lang="en-US" sz="1800">
+                <a:latin typeface="Times New Roman" panose="02020603050405020304" pitchFamily="18" charset="0"/>
+                <a:cs typeface="Times New Roman" panose="02020603050405020304" pitchFamily="18" charset="0"/>
+              </a:rPr>
+              <a:t>random positions </a:t>
+            </a:r>
+            <a:r>
+              <a:rPr lang="en-US" sz="1800" dirty="0">
+                <a:latin typeface="Times New Roman" panose="02020603050405020304" pitchFamily="18" charset="0"/>
+                <a:cs typeface="Times New Roman" panose="02020603050405020304" pitchFamily="18" charset="0"/>
+              </a:rPr>
+              <a:t>in each level but if the player is careful and smart enough to open the squares that have no mines he/she can figure out the positions of the other mines and flag them.</a:t>
+            </a:r>
+          </a:p>
+        </p:txBody>
+      </p:sp>
+    </p:spTree>
+    <p:extLst>
+      <p:ext uri="{BB962C8B-B14F-4D97-AF65-F5344CB8AC3E}">
+        <p14:creationId xmlns:p14="http://schemas.microsoft.com/office/powerpoint/2010/main" val="3320809598"/>
       </p:ext>
     </p:extLst>
   </p:cSld>
